--- a/Lectures/14 - Assessing a Multiple Regression Model.pptx
+++ b/Lectures/14 - Assessing a Multiple Regression Model.pptx
@@ -6893,8 +6893,8 @@
           </p:sp>
         </mc:Fallback>
       </mc:AlternateContent>
-      <mc:AlternateContent xmlns:mc="http://schemas.openxmlformats.org/markup-compatibility/2006" xmlns:a14="http://schemas.microsoft.com/office/drawing/2010/main">
-        <mc:Choice Requires="a14">
+      <mc:AlternateContent xmlns:mc="http://schemas.openxmlformats.org/markup-compatibility/2006">
+        <mc:Choice xmlns:a14="http://schemas.microsoft.com/office/drawing/2010/main" Requires="a14">
           <p:sp>
             <p:nvSpPr>
               <p:cNvPr id="4" name="TextBox 3">
@@ -6910,7 +6910,7 @@
             <p:spPr>
               <a:xfrm>
                 <a:off x="2438400" y="2719330"/>
-                <a:ext cx="6165272" cy="550792"/>
+                <a:ext cx="6165272" cy="564193"/>
               </a:xfrm>
               <a:prstGeom prst="rect">
                 <a:avLst/>
@@ -6963,7 +6963,7 @@
                             <a:rPr lang="en-US" sz="2400" b="0" i="1" smtClean="0">
                               <a:latin typeface="Cambria Math" panose="02040503050406030204" pitchFamily="18" charset="0"/>
                             </a:rPr>
-                            <m:t>1</m:t>
+                            <m:t>𝑖</m:t>
                           </m:r>
                         </m:sub>
                       </m:sSub>
@@ -7009,7 +7009,19 @@
                             <a:rPr lang="en-US" sz="2400" i="1">
                               <a:latin typeface="Cambria Math" panose="02040503050406030204" pitchFamily="18" charset="0"/>
                             </a:rPr>
-                            <m:t>−2</m:t>
+                            <m:t>−</m:t>
+                          </m:r>
+                          <m:r>
+                            <a:rPr lang="en-US" sz="2400" b="0" i="1" smtClean="0">
+                              <a:latin typeface="Cambria Math" panose="02040503050406030204" pitchFamily="18" charset="0"/>
+                            </a:rPr>
+                            <m:t>𝑘</m:t>
+                          </m:r>
+                          <m:r>
+                            <a:rPr lang="en-US" sz="2400" b="0" i="1" smtClean="0">
+                              <a:latin typeface="Cambria Math" panose="02040503050406030204" pitchFamily="18" charset="0"/>
+                            </a:rPr>
+                            <m:t>−1</m:t>
                           </m:r>
                         </m:sub>
                       </m:sSub>
@@ -7070,10 +7082,10 @@
                                 </m:e>
                                 <m:sub>
                                   <m:r>
-                                    <a:rPr lang="en-US" sz="2400" i="1">
+                                    <a:rPr lang="en-US" sz="2400" b="0" i="1" smtClean="0">
                                       <a:latin typeface="Cambria Math" panose="02040503050406030204" pitchFamily="18" charset="0"/>
                                     </a:rPr>
-                                    <m:t>1</m:t>
+                                    <m:t>𝑖</m:t>
                                   </m:r>
                                 </m:sub>
                               </m:sSub>
@@ -7089,7 +7101,7 @@
             </p:txBody>
           </p:sp>
         </mc:Choice>
-        <mc:Fallback xmlns="">
+        <mc:Fallback>
           <p:sp>
             <p:nvSpPr>
               <p:cNvPr id="4" name="TextBox 3">
@@ -7107,7 +7119,7 @@
             <p:spPr>
               <a:xfrm>
                 <a:off x="2438400" y="2719330"/>
-                <a:ext cx="6165272" cy="550792"/>
+                <a:ext cx="6165272" cy="564193"/>
               </a:xfrm>
               <a:prstGeom prst="rect">
                 <a:avLst/>
@@ -7537,8 +7549,8 @@
           </a:p>
         </p:txBody>
       </p:sp>
-      <mc:AlternateContent xmlns:mc="http://schemas.openxmlformats.org/markup-compatibility/2006">
-        <mc:Choice xmlns:a14="http://schemas.microsoft.com/office/drawing/2010/main" Requires="a14">
+      <mc:AlternateContent xmlns:mc="http://schemas.openxmlformats.org/markup-compatibility/2006" xmlns:a14="http://schemas.microsoft.com/office/drawing/2010/main">
+        <mc:Choice Requires="a14">
           <p:graphicFrame>
             <p:nvGraphicFramePr>
               <p:cNvPr id="10" name="Table 9">
@@ -11036,7 +11048,7 @@
             </a:graphic>
           </p:graphicFrame>
         </mc:Choice>
-        <mc:Fallback>
+        <mc:Fallback xmlns="">
           <p:graphicFrame>
             <p:nvGraphicFramePr>
               <p:cNvPr id="10" name="Table 9">
@@ -13689,8 +13701,8 @@
           </a:p>
         </p:txBody>
       </p:sp>
-      <mc:AlternateContent xmlns:mc="http://schemas.openxmlformats.org/markup-compatibility/2006">
-        <mc:Choice xmlns:a14="http://schemas.microsoft.com/office/drawing/2010/main" Requires="a14">
+      <mc:AlternateContent xmlns:mc="http://schemas.openxmlformats.org/markup-compatibility/2006" xmlns:a14="http://schemas.microsoft.com/office/drawing/2010/main">
+        <mc:Choice Requires="a14">
           <p:sp>
             <p:nvSpPr>
               <p:cNvPr id="7" name="TextBox 6">
@@ -14229,7 +14241,7 @@
             </p:txBody>
           </p:sp>
         </mc:Choice>
-        <mc:Fallback>
+        <mc:Fallback xmlns="">
           <p:sp>
             <p:nvSpPr>
               <p:cNvPr id="7" name="TextBox 6">
@@ -14468,8 +14480,8 @@
           </a:p>
         </p:txBody>
       </p:sp>
-      <mc:AlternateContent xmlns:mc="http://schemas.openxmlformats.org/markup-compatibility/2006">
-        <mc:Choice xmlns:a14="http://schemas.microsoft.com/office/drawing/2010/main" Requires="a14">
+      <mc:AlternateContent xmlns:mc="http://schemas.openxmlformats.org/markup-compatibility/2006" xmlns:a14="http://schemas.microsoft.com/office/drawing/2010/main">
+        <mc:Choice Requires="a14">
           <p:sp>
             <p:nvSpPr>
               <p:cNvPr id="7" name="TextBox 6">
@@ -14883,7 +14895,7 @@
             </p:txBody>
           </p:sp>
         </mc:Choice>
-        <mc:Fallback>
+        <mc:Fallback xmlns="">
           <p:sp>
             <p:nvSpPr>
               <p:cNvPr id="7" name="TextBox 6">
@@ -14933,8 +14945,8 @@
           </p:sp>
         </mc:Fallback>
       </mc:AlternateContent>
-      <mc:AlternateContent xmlns:mc="http://schemas.openxmlformats.org/markup-compatibility/2006">
-        <mc:Choice xmlns:a14="http://schemas.microsoft.com/office/drawing/2010/main" Requires="a14">
+      <mc:AlternateContent xmlns:mc="http://schemas.openxmlformats.org/markup-compatibility/2006" xmlns:a14="http://schemas.microsoft.com/office/drawing/2010/main">
+        <mc:Choice Requires="a14">
           <p:sp>
             <p:nvSpPr>
               <p:cNvPr id="3" name="TextBox 2">
@@ -15071,7 +15083,7 @@
             </p:txBody>
           </p:sp>
         </mc:Choice>
-        <mc:Fallback>
+        <mc:Fallback xmlns="">
           <p:sp>
             <p:nvSpPr>
               <p:cNvPr id="3" name="TextBox 2">
@@ -15565,8 +15577,8 @@
           </a:p>
         </p:txBody>
       </p:sp>
-      <mc:AlternateContent xmlns:mc="http://schemas.openxmlformats.org/markup-compatibility/2006">
-        <mc:Choice xmlns:a14="http://schemas.microsoft.com/office/drawing/2010/main" Requires="a14">
+      <mc:AlternateContent xmlns:mc="http://schemas.openxmlformats.org/markup-compatibility/2006" xmlns:a14="http://schemas.microsoft.com/office/drawing/2010/main">
+        <mc:Choice Requires="a14">
           <p:sp>
             <p:nvSpPr>
               <p:cNvPr id="3" name="TextBox 2">
@@ -15859,7 +15871,7 @@
             </p:txBody>
           </p:sp>
         </mc:Choice>
-        <mc:Fallback>
+        <mc:Fallback xmlns="">
           <p:sp>
             <p:nvSpPr>
               <p:cNvPr id="3" name="TextBox 2">
@@ -16276,8 +16288,8 @@
           </a:p>
         </p:txBody>
       </p:sp>
-      <mc:AlternateContent xmlns:mc="http://schemas.openxmlformats.org/markup-compatibility/2006">
-        <mc:Choice xmlns:a14="http://schemas.microsoft.com/office/drawing/2010/main" Requires="a14">
+      <mc:AlternateContent xmlns:mc="http://schemas.openxmlformats.org/markup-compatibility/2006" xmlns:a14="http://schemas.microsoft.com/office/drawing/2010/main">
+        <mc:Choice Requires="a14">
           <p:sp>
             <p:nvSpPr>
               <p:cNvPr id="5" name="TextBox 4">
@@ -16393,7 +16405,7 @@
             </p:txBody>
           </p:sp>
         </mc:Choice>
-        <mc:Fallback>
+        <mc:Fallback xmlns="">
           <p:sp>
             <p:nvSpPr>
               <p:cNvPr id="5" name="TextBox 4">
